--- a/Medicare fraud detection_Xinyu Max Liu.pptx
+++ b/Medicare fraud detection_Xinyu Max Liu.pptx
@@ -32,27 +32,27 @@
   <p:notesSz cx="6881813" cy="9296400"/>
   <p:embeddedFontLst>
     <p:embeddedFont>
-      <p:font typeface="Questrial" panose="020B0604020202020204" charset="0"/>
+      <p:font typeface="Calibri" panose="020F0502020204030204" pitchFamily="34" charset="0"/>
       <p:regular r:id="rId20"/>
+      <p:bold r:id="rId21"/>
+      <p:italic r:id="rId22"/>
+      <p:boldItalic r:id="rId23"/>
     </p:embeddedFont>
     <p:embeddedFont>
       <p:font typeface="Century Gothic" panose="020B0502020202020204" pitchFamily="34" charset="0"/>
-      <p:regular r:id="rId21"/>
-      <p:bold r:id="rId22"/>
-      <p:italic r:id="rId23"/>
-      <p:boldItalic r:id="rId24"/>
+      <p:regular r:id="rId24"/>
+      <p:bold r:id="rId25"/>
+      <p:italic r:id="rId26"/>
+      <p:boldItalic r:id="rId27"/>
     </p:embeddedFont>
     <p:embeddedFont>
       <p:font typeface="Calibri Light" panose="020F0302020204030204" pitchFamily="34" charset="0"/>
-      <p:regular r:id="rId25"/>
-      <p:italic r:id="rId26"/>
+      <p:regular r:id="rId28"/>
+      <p:italic r:id="rId29"/>
     </p:embeddedFont>
     <p:embeddedFont>
-      <p:font typeface="Calibri" panose="020F0502020204030204" pitchFamily="34" charset="0"/>
-      <p:regular r:id="rId27"/>
-      <p:bold r:id="rId28"/>
-      <p:italic r:id="rId29"/>
-      <p:boldItalic r:id="rId30"/>
+      <p:font typeface="Questrial" panose="020B0604020202020204" charset="0"/>
+      <p:regular r:id="rId30"/>
     </p:embeddedFont>
   </p:embeddedFontLst>
   <p:defaultTextStyle>
@@ -347,7 +347,7 @@
           <a:p>
             <a:fld id="{B457F3D5-6FF6-480C-9F2D-B59DD32FCF6F}" type="datetimeFigureOut">
               <a:rPr lang="en-US" smtClean="0"/>
-              <a:t>3/1/2016</a:t>
+              <a:t>3/3/2016</a:t>
             </a:fld>
             <a:endParaRPr lang="en-US"/>
           </a:p>
@@ -6867,7 +6867,19 @@
             <a:pPr lvl="1"/>
             <a:r>
               <a:rPr lang="en-US" dirty="0" smtClean="0"/>
-              <a:t>Give higher weight for model training ( used in this project)</a:t>
+              <a:t>Give higher weight </a:t>
+            </a:r>
+            <a:r>
+              <a:rPr lang="en-US" dirty="0" err="1" smtClean="0"/>
+              <a:t>topositive</a:t>
+            </a:r>
+            <a:r>
+              <a:rPr lang="en-US" dirty="0" smtClean="0"/>
+              <a:t> samples for model </a:t>
+            </a:r>
+            <a:r>
+              <a:rPr lang="en-US" dirty="0" smtClean="0"/>
+              <a:t>training ( used in this project)</a:t>
             </a:r>
             <a:endParaRPr lang="en-US" dirty="0"/>
           </a:p>
@@ -6961,8 +6973,8 @@
         </p:nvSpPr>
         <p:spPr>
           <a:xfrm>
-            <a:off x="455909" y="244401"/>
-            <a:ext cx="10006249" cy="928588"/>
+            <a:off x="478590" y="130666"/>
+            <a:ext cx="11749414" cy="928588"/>
           </a:xfrm>
           <a:prstGeom prst="rect">
             <a:avLst/>
@@ -7023,7 +7035,7 @@
                 <a:cs typeface="Arial" panose="020B0604020202020204" pitchFamily="34" charset="0"/>
                 <a:sym typeface="Questrial"/>
               </a:rPr>
-              <a:t>the feature </a:t>
+              <a:t>the </a:t>
             </a:r>
             <a:r>
               <a:rPr lang="en-US" sz="3600" b="0" i="0" u="none" strike="noStrike" cap="none" dirty="0" smtClean="0">
@@ -7035,6 +7047,18 @@
                 <a:cs typeface="Arial" panose="020B0604020202020204" pitchFamily="34" charset="0"/>
                 <a:sym typeface="Questrial"/>
               </a:rPr>
+              <a:t>drug feature </a:t>
+            </a:r>
+            <a:r>
+              <a:rPr lang="en-US" sz="3600" b="0" i="0" u="none" strike="noStrike" cap="none" dirty="0" smtClean="0">
+                <a:solidFill>
+                  <a:srgbClr val="262626"/>
+                </a:solidFill>
+                <a:latin typeface="Arial" panose="020B0604020202020204" pitchFamily="34" charset="0"/>
+                <a:ea typeface="Questrial"/>
+                <a:cs typeface="Arial" panose="020B0604020202020204" pitchFamily="34" charset="0"/>
+                <a:sym typeface="Questrial"/>
+              </a:rPr>
               <a:t>only </a:t>
             </a:r>
             <a:r>
@@ -7059,7 +7083,19 @@
                 <a:cs typeface="Arial" panose="020B0604020202020204" pitchFamily="34" charset="0"/>
                 <a:sym typeface="Questrial"/>
               </a:rPr>
-              <a:t>P &lt;= 0.05</a:t>
+              <a:t>P </a:t>
+            </a:r>
+            <a:r>
+              <a:rPr lang="en-US" sz="3600" b="0" i="0" u="none" strike="noStrike" cap="none" dirty="0" smtClean="0">
+                <a:solidFill>
+                  <a:srgbClr val="262626"/>
+                </a:solidFill>
+                <a:latin typeface="Arial" panose="020B0604020202020204" pitchFamily="34" charset="0"/>
+                <a:ea typeface="Questrial"/>
+                <a:cs typeface="Arial" panose="020B0604020202020204" pitchFamily="34" charset="0"/>
+                <a:sym typeface="Questrial"/>
+              </a:rPr>
+              <a:t>&lt;= 0.05</a:t>
             </a:r>
             <a:r>
               <a:rPr lang="en-US" sz="3600" b="0" i="0" u="none" strike="noStrike" cap="none" dirty="0">
@@ -7115,7 +7151,7 @@
         </p:blipFill>
         <p:spPr>
           <a:xfrm>
-            <a:off x="1637604" y="1325651"/>
+            <a:off x="1839032" y="1459551"/>
             <a:ext cx="8824554" cy="4934159"/>
           </a:xfrm>
           <a:prstGeom prst="rect">
@@ -7425,6 +7461,42 @@
               <a:cs typeface="Questrial"/>
               <a:sym typeface="Questrial"/>
             </a:endParaRPr>
+          </a:p>
+        </p:txBody>
+      </p:sp>
+      <p:sp>
+        <p:nvSpPr>
+          <p:cNvPr id="3" name="TextBox 2"/>
+          <p:cNvSpPr txBox="1"/>
+          <p:nvPr/>
+        </p:nvSpPr>
+        <p:spPr>
+          <a:xfrm>
+            <a:off x="73694" y="1384121"/>
+            <a:ext cx="1697901" cy="523220"/>
+          </a:xfrm>
+          <a:prstGeom prst="rect">
+            <a:avLst/>
+          </a:prstGeom>
+          <a:noFill/>
+        </p:spPr>
+        <p:txBody>
+          <a:bodyPr wrap="none" rtlCol="0">
+            <a:spAutoFit/>
+          </a:bodyPr>
+          <a:lstStyle/>
+          <a:p>
+            <a:r>
+              <a:rPr lang="en-US" dirty="0" smtClean="0"/>
+              <a:t>An example for</a:t>
+            </a:r>
+          </a:p>
+          <a:p>
+            <a:r>
+              <a:rPr lang="en-US" dirty="0" smtClean="0"/>
+              <a:t>“CLOTRIMAZOLE”</a:t>
+            </a:r>
+            <a:endParaRPr lang="en-US" dirty="0"/>
           </a:p>
         </p:txBody>
       </p:sp>
@@ -10598,7 +10670,7 @@
         </p:nvSpPr>
         <p:spPr>
           <a:xfrm>
-            <a:off x="8153400" y="1533079"/>
+            <a:off x="9124330" y="1542373"/>
             <a:ext cx="2142504" cy="1313360"/>
           </a:xfrm>
           <a:prstGeom prst="rect">
@@ -10858,7 +10930,7 @@
         </p:nvSpPr>
         <p:spPr>
           <a:xfrm>
-            <a:off x="8153401" y="3486626"/>
+            <a:off x="9167813" y="3555842"/>
             <a:ext cx="2142503" cy="1277103"/>
           </a:xfrm>
           <a:prstGeom prst="rect">
@@ -10988,7 +11060,7 @@
         </p:nvSpPr>
         <p:spPr>
           <a:xfrm>
-            <a:off x="8153400" y="5403917"/>
+            <a:off x="9124331" y="5403916"/>
             <a:ext cx="2229469" cy="1228534"/>
           </a:xfrm>
           <a:prstGeom prst="rect">
